--- a/ml-latest-small/Hybrid Movie Recommendation System.pptx
+++ b/ml-latest-small/Hybrid Movie Recommendation System.pptx
@@ -5,7 +5,7 @@
     <p:sldMasterId id="2147483660" r:id="rId1"/>
   </p:sldMasterIdLst>
   <p:notesMasterIdLst>
-    <p:notesMasterId r:id="rId10"/>
+    <p:notesMasterId r:id="rId9"/>
   </p:notesMasterIdLst>
   <p:sldIdLst>
     <p:sldId id="257" r:id="rId2"/>
@@ -13,9 +13,8 @@
     <p:sldId id="258" r:id="rId4"/>
     <p:sldId id="263" r:id="rId5"/>
     <p:sldId id="259" r:id="rId6"/>
-    <p:sldId id="260" r:id="rId7"/>
-    <p:sldId id="261" r:id="rId8"/>
-    <p:sldId id="262" r:id="rId9"/>
+    <p:sldId id="262" r:id="rId7"/>
+    <p:sldId id="260" r:id="rId8"/>
   </p:sldIdLst>
   <p:sldSz cx="13716000" cy="8229600"/>
   <p:notesSz cx="6858000" cy="9144000"/>
@@ -1154,7 +1153,7 @@
           <a:p>
             <a:fld id="{2CEC7156-01C2-431D-B7A9-6ABFE012AB72}" type="slidenum">
               <a:rPr lang="en-US" smtClean="0"/>
-              <a:t>6</a:t>
+              <a:t>7</a:t>
             </a:fld>
             <a:endParaRPr lang="en-US"/>
           </a:p>
@@ -7812,7 +7811,7 @@
         <p:spPr>
           <a:xfrm>
             <a:off x="661182" y="1809719"/>
-            <a:ext cx="12393636" cy="6324808"/>
+            <a:ext cx="12393636" cy="5863144"/>
           </a:xfrm>
           <a:prstGeom prst="rect">
             <a:avLst/>
@@ -7836,7 +7835,7 @@
             </a:r>
             <a:r>
               <a:rPr lang="en-US" sz="1500" dirty="0"/>
-              <a:t>, a movie recommendation service. It contains 100836 ratings and 3683 tag applications across 9742 movies. These data were created by 610 users between March 29, 1996 and September 24, 2018. This dataset was generated on September 26, 2018</a:t>
+              <a:t>, a movie recommendation service. It contains 100836 ratings and 3683 tag applications across 9742 movies. These data were created by 610 users between March 29, 1996, and September 24, 2018. This dataset was generated on September 26, 2018</a:t>
             </a:r>
           </a:p>
           <a:p>
@@ -7961,8 +7960,12 @@
           <a:p>
             <a:pPr algn="just"/>
             <a:r>
+              <a:rPr lang="en-US" sz="1500" b="1" dirty="0"/>
+              <a:t>genres</a:t>
+            </a:r>
+            <a:r>
               <a:rPr lang="en-US" sz="1500" dirty="0"/>
-              <a:t>genres: Genres are a pipe-separated list, and are selected from the following:</a:t>
+              <a:t>: Genres are a pipe-separated list, and are selected from the following:</a:t>
             </a:r>
           </a:p>
           <a:p>
@@ -7972,29 +7975,12 @@
           <a:p>
             <a:pPr algn="just"/>
             <a:r>
+              <a:rPr lang="en-US" sz="1500" dirty="0" err="1"/>
+              <a:t>Action,Adventure,Animation,Children’s</a:t>
+            </a:r>
+            <a:r>
               <a:rPr lang="en-US" sz="1500" dirty="0"/>
-              <a:t>Action</a:t>
-            </a:r>
-          </a:p>
-          <a:p>
-            <a:pPr algn="just"/>
-            <a:r>
-              <a:rPr lang="en-US" sz="1500" dirty="0"/>
-              <a:t>Adventure</a:t>
-            </a:r>
-          </a:p>
-          <a:p>
-            <a:pPr algn="just"/>
-            <a:r>
-              <a:rPr lang="en-US" sz="1500" dirty="0"/>
-              <a:t>Animation</a:t>
-            </a:r>
-          </a:p>
-          <a:p>
-            <a:pPr algn="just"/>
-            <a:r>
-              <a:rPr lang="en-US" sz="1500" dirty="0"/>
-              <a:t>Children’s Comedy Crime Documentary Drama Fantasy Film-Noir Horror Musical Mystery Romance Sci-Fi Thriller War</a:t>
+              <a:t> ,Comedy ,Crime ,Documentary ,Drama Fantasy ,Film-Noir ,Horror ,Musical Mystery ,Romance ,Sci-Fi ,Thriller, War</a:t>
             </a:r>
           </a:p>
           <a:p>
@@ -8111,7 +8097,7 @@
         <p:spPr>
           <a:xfrm>
             <a:off x="942974" y="2129641"/>
-            <a:ext cx="12393197" cy="4247317"/>
+            <a:ext cx="12393197" cy="3970318"/>
           </a:xfrm>
           <a:prstGeom prst="rect">
             <a:avLst/>
@@ -8152,12 +8138,6 @@
             <a:r>
               <a:rPr lang="en-US" dirty="0"/>
               <a:t>├── app.py  # Main Flask and Dash application script</a:t>
-            </a:r>
-          </a:p>
-          <a:p>
-            <a:r>
-              <a:rPr lang="en-US" dirty="0"/>
-              <a:t>├── dash_app.py  # (Optional) Separate Dash app script if needed</a:t>
             </a:r>
           </a:p>
           <a:p>
@@ -8314,561 +8294,6 @@
 </file>
 
 <file path=ppt/slides/slide6.xml><?xml version="1.0" encoding="utf-8"?>
-<p:sld xmlns:a="http://schemas.openxmlformats.org/drawingml/2006/main" xmlns:r="http://schemas.openxmlformats.org/officeDocument/2006/relationships" xmlns:p="http://schemas.openxmlformats.org/presentationml/2006/main">
-  <p:cSld>
-    <p:spTree>
-      <p:nvGrpSpPr>
-        <p:cNvPr id="1" name=""/>
-        <p:cNvGrpSpPr/>
-        <p:nvPr/>
-      </p:nvGrpSpPr>
-      <p:grpSpPr>
-        <a:xfrm>
-          <a:off x="0" y="0"/>
-          <a:ext cx="0" cy="0"/>
-          <a:chOff x="0" y="0"/>
-          <a:chExt cx="0" cy="0"/>
-        </a:xfrm>
-      </p:grpSpPr>
-      <p:sp>
-        <p:nvSpPr>
-          <p:cNvPr id="2" name="Title 1">
-            <a:extLst>
-              <a:ext uri="{FF2B5EF4-FFF2-40B4-BE49-F238E27FC236}">
-                <a16:creationId xmlns:a16="http://schemas.microsoft.com/office/drawing/2014/main" id="{44016EB5-B33C-91BC-A31C-416D28F39BA4}"/>
-              </a:ext>
-            </a:extLst>
-          </p:cNvPr>
-          <p:cNvSpPr>
-            <a:spLocks noGrp="1"/>
-          </p:cNvSpPr>
-          <p:nvPr>
-            <p:ph type="title"/>
-          </p:nvPr>
-        </p:nvSpPr>
-        <p:spPr/>
-        <p:txBody>
-          <a:bodyPr/>
-          <a:lstStyle/>
-          <a:p>
-            <a:r>
-              <a:rPr lang="en-US" dirty="0"/>
-              <a:t>User and Item Similarity Matrix </a:t>
-            </a:r>
-          </a:p>
-        </p:txBody>
-      </p:sp>
-      <p:pic>
-        <p:nvPicPr>
-          <p:cNvPr id="4" name="Picture 3">
-            <a:extLst>
-              <a:ext uri="{FF2B5EF4-FFF2-40B4-BE49-F238E27FC236}">
-                <a16:creationId xmlns:a16="http://schemas.microsoft.com/office/drawing/2014/main" id="{DADA4812-3517-A1E4-B76D-A5CD62901B06}"/>
-              </a:ext>
-            </a:extLst>
-          </p:cNvPr>
-          <p:cNvPicPr>
-            <a:picLocks noChangeAspect="1"/>
-          </p:cNvPicPr>
-          <p:nvPr/>
-        </p:nvPicPr>
-        <p:blipFill>
-          <a:blip r:embed="rId3"/>
-          <a:stretch>
-            <a:fillRect/>
-          </a:stretch>
-        </p:blipFill>
-        <p:spPr>
-          <a:xfrm>
-            <a:off x="942975" y="2740066"/>
-            <a:ext cx="4969559" cy="4326440"/>
-          </a:xfrm>
-          <a:prstGeom prst="rect">
-            <a:avLst/>
-          </a:prstGeom>
-        </p:spPr>
-      </p:pic>
-      <p:pic>
-        <p:nvPicPr>
-          <p:cNvPr id="6" name="Picture 5">
-            <a:extLst>
-              <a:ext uri="{FF2B5EF4-FFF2-40B4-BE49-F238E27FC236}">
-                <a16:creationId xmlns:a16="http://schemas.microsoft.com/office/drawing/2014/main" id="{DC51B858-FF91-4C05-48BD-957C8C725D7A}"/>
-              </a:ext>
-            </a:extLst>
-          </p:cNvPr>
-          <p:cNvPicPr>
-            <a:picLocks noChangeAspect="1"/>
-          </p:cNvPicPr>
-          <p:nvPr/>
-        </p:nvPicPr>
-        <p:blipFill>
-          <a:blip r:embed="rId4"/>
-          <a:stretch>
-            <a:fillRect/>
-          </a:stretch>
-        </p:blipFill>
-        <p:spPr>
-          <a:xfrm>
-            <a:off x="6858000" y="2740066"/>
-            <a:ext cx="6284640" cy="4326440"/>
-          </a:xfrm>
-          <a:prstGeom prst="rect">
-            <a:avLst/>
-          </a:prstGeom>
-        </p:spPr>
-      </p:pic>
-      <p:pic>
-        <p:nvPicPr>
-          <p:cNvPr id="8" name="Picture 7">
-            <a:extLst>
-              <a:ext uri="{FF2B5EF4-FFF2-40B4-BE49-F238E27FC236}">
-                <a16:creationId xmlns:a16="http://schemas.microsoft.com/office/drawing/2014/main" id="{2C6DDC49-533A-A0CF-1D23-0DD09425BF6C}"/>
-              </a:ext>
-            </a:extLst>
-          </p:cNvPr>
-          <p:cNvPicPr>
-            <a:picLocks noChangeAspect="1"/>
-          </p:cNvPicPr>
-          <p:nvPr/>
-        </p:nvPicPr>
-        <p:blipFill>
-          <a:blip r:embed="rId4"/>
-          <a:stretch>
-            <a:fillRect/>
-          </a:stretch>
-        </p:blipFill>
-        <p:spPr>
-          <a:xfrm>
-            <a:off x="1858621" y="1428750"/>
-            <a:ext cx="7591425" cy="6800850"/>
-          </a:xfrm>
-          <a:prstGeom prst="rect">
-            <a:avLst/>
-          </a:prstGeom>
-        </p:spPr>
-      </p:pic>
-    </p:spTree>
-    <p:extLst>
-      <p:ext uri="{BB962C8B-B14F-4D97-AF65-F5344CB8AC3E}">
-        <p14:creationId xmlns:p14="http://schemas.microsoft.com/office/powerpoint/2010/main" val="1736366948"/>
-      </p:ext>
-    </p:extLst>
-  </p:cSld>
-  <p:clrMapOvr>
-    <a:masterClrMapping/>
-  </p:clrMapOvr>
-  <p:timing>
-    <p:tnLst>
-      <p:par>
-        <p:cTn id="1" dur="indefinite" restart="never" nodeType="tmRoot">
-          <p:childTnLst>
-            <p:seq concurrent="1" nextAc="seek">
-              <p:cTn id="2" dur="indefinite" nodeType="mainSeq">
-                <p:childTnLst>
-                  <p:par>
-                    <p:cTn id="3" fill="hold">
-                      <p:stCondLst>
-                        <p:cond delay="indefinite"/>
-                      </p:stCondLst>
-                      <p:childTnLst>
-                        <p:par>
-                          <p:cTn id="4" fill="hold">
-                            <p:stCondLst>
-                              <p:cond delay="0"/>
-                            </p:stCondLst>
-                            <p:childTnLst>
-                              <p:par>
-                                <p:cTn id="5" presetID="2" presetClass="entr" presetSubtype="4" fill="hold" nodeType="clickEffect">
-                                  <p:stCondLst>
-                                    <p:cond delay="0"/>
-                                  </p:stCondLst>
-                                  <p:childTnLst>
-                                    <p:set>
-                                      <p:cBhvr>
-                                        <p:cTn id="6" dur="1" fill="hold">
-                                          <p:stCondLst>
-                                            <p:cond delay="0"/>
-                                          </p:stCondLst>
-                                        </p:cTn>
-                                        <p:tgtEl>
-                                          <p:spTgt spid="4"/>
-                                        </p:tgtEl>
-                                        <p:attrNameLst>
-                                          <p:attrName>style.visibility</p:attrName>
-                                        </p:attrNameLst>
-                                      </p:cBhvr>
-                                      <p:to>
-                                        <p:strVal val="visible"/>
-                                      </p:to>
-                                    </p:set>
-                                    <p:anim calcmode="lin" valueType="num">
-                                      <p:cBhvr additive="base">
-                                        <p:cTn id="7" dur="500" fill="hold"/>
-                                        <p:tgtEl>
-                                          <p:spTgt spid="4"/>
-                                        </p:tgtEl>
-                                        <p:attrNameLst>
-                                          <p:attrName>ppt_x</p:attrName>
-                                        </p:attrNameLst>
-                                      </p:cBhvr>
-                                      <p:tavLst>
-                                        <p:tav tm="0">
-                                          <p:val>
-                                            <p:strVal val="#ppt_x"/>
-                                          </p:val>
-                                        </p:tav>
-                                        <p:tav tm="100000">
-                                          <p:val>
-                                            <p:strVal val="#ppt_x"/>
-                                          </p:val>
-                                        </p:tav>
-                                      </p:tavLst>
-                                    </p:anim>
-                                    <p:anim calcmode="lin" valueType="num">
-                                      <p:cBhvr additive="base">
-                                        <p:cTn id="8" dur="500" fill="hold"/>
-                                        <p:tgtEl>
-                                          <p:spTgt spid="4"/>
-                                        </p:tgtEl>
-                                        <p:attrNameLst>
-                                          <p:attrName>ppt_y</p:attrName>
-                                        </p:attrNameLst>
-                                      </p:cBhvr>
-                                      <p:tavLst>
-                                        <p:tav tm="0">
-                                          <p:val>
-                                            <p:strVal val="1+#ppt_h/2"/>
-                                          </p:val>
-                                        </p:tav>
-                                        <p:tav tm="100000">
-                                          <p:val>
-                                            <p:strVal val="#ppt_y"/>
-                                          </p:val>
-                                        </p:tav>
-                                      </p:tavLst>
-                                    </p:anim>
-                                  </p:childTnLst>
-                                </p:cTn>
-                              </p:par>
-                            </p:childTnLst>
-                          </p:cTn>
-                        </p:par>
-                      </p:childTnLst>
-                    </p:cTn>
-                  </p:par>
-                  <p:par>
-                    <p:cTn id="9" fill="hold">
-                      <p:stCondLst>
-                        <p:cond delay="indefinite"/>
-                      </p:stCondLst>
-                      <p:childTnLst>
-                        <p:par>
-                          <p:cTn id="10" fill="hold">
-                            <p:stCondLst>
-                              <p:cond delay="0"/>
-                            </p:stCondLst>
-                            <p:childTnLst>
-                              <p:par>
-                                <p:cTn id="11" presetID="42" presetClass="entr" presetSubtype="0" fill="hold" nodeType="clickEffect">
-                                  <p:stCondLst>
-                                    <p:cond delay="0"/>
-                                  </p:stCondLst>
-                                  <p:childTnLst>
-                                    <p:set>
-                                      <p:cBhvr>
-                                        <p:cTn id="12" dur="1" fill="hold">
-                                          <p:stCondLst>
-                                            <p:cond delay="0"/>
-                                          </p:stCondLst>
-                                        </p:cTn>
-                                        <p:tgtEl>
-                                          <p:spTgt spid="6"/>
-                                        </p:tgtEl>
-                                        <p:attrNameLst>
-                                          <p:attrName>style.visibility</p:attrName>
-                                        </p:attrNameLst>
-                                      </p:cBhvr>
-                                      <p:to>
-                                        <p:strVal val="visible"/>
-                                      </p:to>
-                                    </p:set>
-                                    <p:animEffect transition="in" filter="fade">
-                                      <p:cBhvr>
-                                        <p:cTn id="13" dur="1000"/>
-                                        <p:tgtEl>
-                                          <p:spTgt spid="6"/>
-                                        </p:tgtEl>
-                                      </p:cBhvr>
-                                    </p:animEffect>
-                                    <p:anim calcmode="lin" valueType="num">
-                                      <p:cBhvr>
-                                        <p:cTn id="14" dur="1000" fill="hold"/>
-                                        <p:tgtEl>
-                                          <p:spTgt spid="6"/>
-                                        </p:tgtEl>
-                                        <p:attrNameLst>
-                                          <p:attrName>ppt_x</p:attrName>
-                                        </p:attrNameLst>
-                                      </p:cBhvr>
-                                      <p:tavLst>
-                                        <p:tav tm="0">
-                                          <p:val>
-                                            <p:strVal val="#ppt_x"/>
-                                          </p:val>
-                                        </p:tav>
-                                        <p:tav tm="100000">
-                                          <p:val>
-                                            <p:strVal val="#ppt_x"/>
-                                          </p:val>
-                                        </p:tav>
-                                      </p:tavLst>
-                                    </p:anim>
-                                    <p:anim calcmode="lin" valueType="num">
-                                      <p:cBhvr>
-                                        <p:cTn id="15" dur="1000" fill="hold"/>
-                                        <p:tgtEl>
-                                          <p:spTgt spid="6"/>
-                                        </p:tgtEl>
-                                        <p:attrNameLst>
-                                          <p:attrName>ppt_y</p:attrName>
-                                        </p:attrNameLst>
-                                      </p:cBhvr>
-                                      <p:tavLst>
-                                        <p:tav tm="0">
-                                          <p:val>
-                                            <p:strVal val="#ppt_y+.1"/>
-                                          </p:val>
-                                        </p:tav>
-                                        <p:tav tm="100000">
-                                          <p:val>
-                                            <p:strVal val="#ppt_y"/>
-                                          </p:val>
-                                        </p:tav>
-                                      </p:tavLst>
-                                    </p:anim>
-                                  </p:childTnLst>
-                                </p:cTn>
-                              </p:par>
-                            </p:childTnLst>
-                          </p:cTn>
-                        </p:par>
-                      </p:childTnLst>
-                    </p:cTn>
-                  </p:par>
-                  <p:par>
-                    <p:cTn id="16" fill="hold">
-                      <p:stCondLst>
-                        <p:cond delay="indefinite"/>
-                      </p:stCondLst>
-                      <p:childTnLst>
-                        <p:par>
-                          <p:cTn id="17" fill="hold">
-                            <p:stCondLst>
-                              <p:cond delay="0"/>
-                            </p:stCondLst>
-                            <p:childTnLst>
-                              <p:par>
-                                <p:cTn id="18" presetID="42" presetClass="entr" presetSubtype="0" fill="hold" nodeType="clickEffect">
-                                  <p:stCondLst>
-                                    <p:cond delay="0"/>
-                                  </p:stCondLst>
-                                  <p:childTnLst>
-                                    <p:set>
-                                      <p:cBhvr>
-                                        <p:cTn id="19" dur="1" fill="hold">
-                                          <p:stCondLst>
-                                            <p:cond delay="0"/>
-                                          </p:stCondLst>
-                                        </p:cTn>
-                                        <p:tgtEl>
-                                          <p:spTgt spid="8"/>
-                                        </p:tgtEl>
-                                        <p:attrNameLst>
-                                          <p:attrName>style.visibility</p:attrName>
-                                        </p:attrNameLst>
-                                      </p:cBhvr>
-                                      <p:to>
-                                        <p:strVal val="visible"/>
-                                      </p:to>
-                                    </p:set>
-                                    <p:animEffect transition="in" filter="fade">
-                                      <p:cBhvr>
-                                        <p:cTn id="20" dur="1000"/>
-                                        <p:tgtEl>
-                                          <p:spTgt spid="8"/>
-                                        </p:tgtEl>
-                                      </p:cBhvr>
-                                    </p:animEffect>
-                                    <p:anim calcmode="lin" valueType="num">
-                                      <p:cBhvr>
-                                        <p:cTn id="21" dur="1000" fill="hold"/>
-                                        <p:tgtEl>
-                                          <p:spTgt spid="8"/>
-                                        </p:tgtEl>
-                                        <p:attrNameLst>
-                                          <p:attrName>ppt_x</p:attrName>
-                                        </p:attrNameLst>
-                                      </p:cBhvr>
-                                      <p:tavLst>
-                                        <p:tav tm="0">
-                                          <p:val>
-                                            <p:strVal val="#ppt_x"/>
-                                          </p:val>
-                                        </p:tav>
-                                        <p:tav tm="100000">
-                                          <p:val>
-                                            <p:strVal val="#ppt_x"/>
-                                          </p:val>
-                                        </p:tav>
-                                      </p:tavLst>
-                                    </p:anim>
-                                    <p:anim calcmode="lin" valueType="num">
-                                      <p:cBhvr>
-                                        <p:cTn id="22" dur="1000" fill="hold"/>
-                                        <p:tgtEl>
-                                          <p:spTgt spid="8"/>
-                                        </p:tgtEl>
-                                        <p:attrNameLst>
-                                          <p:attrName>ppt_y</p:attrName>
-                                        </p:attrNameLst>
-                                      </p:cBhvr>
-                                      <p:tavLst>
-                                        <p:tav tm="0">
-                                          <p:val>
-                                            <p:strVal val="#ppt_y+.1"/>
-                                          </p:val>
-                                        </p:tav>
-                                        <p:tav tm="100000">
-                                          <p:val>
-                                            <p:strVal val="#ppt_y"/>
-                                          </p:val>
-                                        </p:tav>
-                                      </p:tavLst>
-                                    </p:anim>
-                                  </p:childTnLst>
-                                </p:cTn>
-                              </p:par>
-                            </p:childTnLst>
-                          </p:cTn>
-                        </p:par>
-                      </p:childTnLst>
-                    </p:cTn>
-                  </p:par>
-                </p:childTnLst>
-              </p:cTn>
-              <p:prevCondLst>
-                <p:cond evt="onPrev" delay="0">
-                  <p:tgtEl>
-                    <p:sldTgt/>
-                  </p:tgtEl>
-                </p:cond>
-              </p:prevCondLst>
-              <p:nextCondLst>
-                <p:cond evt="onNext" delay="0">
-                  <p:tgtEl>
-                    <p:sldTgt/>
-                  </p:tgtEl>
-                </p:cond>
-              </p:nextCondLst>
-            </p:seq>
-          </p:childTnLst>
-        </p:cTn>
-      </p:par>
-    </p:tnLst>
-  </p:timing>
-</p:sld>
-</file>
-
-<file path=ppt/slides/slide7.xml><?xml version="1.0" encoding="utf-8"?>
-<p:sld xmlns:a="http://schemas.openxmlformats.org/drawingml/2006/main" xmlns:r="http://schemas.openxmlformats.org/officeDocument/2006/relationships" xmlns:p="http://schemas.openxmlformats.org/presentationml/2006/main">
-  <p:cSld>
-    <p:spTree>
-      <p:nvGrpSpPr>
-        <p:cNvPr id="1" name=""/>
-        <p:cNvGrpSpPr/>
-        <p:nvPr/>
-      </p:nvGrpSpPr>
-      <p:grpSpPr>
-        <a:xfrm>
-          <a:off x="0" y="0"/>
-          <a:ext cx="0" cy="0"/>
-          <a:chOff x="0" y="0"/>
-          <a:chExt cx="0" cy="0"/>
-        </a:xfrm>
-      </p:grpSpPr>
-      <p:sp>
-        <p:nvSpPr>
-          <p:cNvPr id="2" name="Title 1">
-            <a:extLst>
-              <a:ext uri="{FF2B5EF4-FFF2-40B4-BE49-F238E27FC236}">
-                <a16:creationId xmlns:a16="http://schemas.microsoft.com/office/drawing/2014/main" id="{39F06961-7C27-EC69-CC0E-981E3DE58077}"/>
-              </a:ext>
-            </a:extLst>
-          </p:cNvPr>
-          <p:cNvSpPr>
-            <a:spLocks noGrp="1"/>
-          </p:cNvSpPr>
-          <p:nvPr>
-            <p:ph type="title"/>
-          </p:nvPr>
-        </p:nvSpPr>
-        <p:spPr/>
-        <p:txBody>
-          <a:bodyPr/>
-          <a:lstStyle/>
-          <a:p>
-            <a:r>
-              <a:rPr lang="en-US" dirty="0"/>
-              <a:t>Distribution Rating </a:t>
-            </a:r>
-          </a:p>
-        </p:txBody>
-      </p:sp>
-      <p:pic>
-        <p:nvPicPr>
-          <p:cNvPr id="4" name="Picture 3">
-            <a:extLst>
-              <a:ext uri="{FF2B5EF4-FFF2-40B4-BE49-F238E27FC236}">
-                <a16:creationId xmlns:a16="http://schemas.microsoft.com/office/drawing/2014/main" id="{EE2713F9-A50B-5487-4FCB-F6FD50681329}"/>
-              </a:ext>
-            </a:extLst>
-          </p:cNvPr>
-          <p:cNvPicPr>
-            <a:picLocks noChangeAspect="1"/>
-          </p:cNvPicPr>
-          <p:nvPr/>
-        </p:nvPicPr>
-        <p:blipFill>
-          <a:blip r:embed="rId2"/>
-          <a:stretch>
-            <a:fillRect/>
-          </a:stretch>
-        </p:blipFill>
-        <p:spPr>
-          <a:xfrm>
-            <a:off x="1098965" y="2269367"/>
-            <a:ext cx="6791325" cy="5210175"/>
-          </a:xfrm>
-          <a:prstGeom prst="rect">
-            <a:avLst/>
-          </a:prstGeom>
-        </p:spPr>
-      </p:pic>
-    </p:spTree>
-    <p:extLst>
-      <p:ext uri="{BB962C8B-B14F-4D97-AF65-F5344CB8AC3E}">
-        <p14:creationId xmlns:p14="http://schemas.microsoft.com/office/powerpoint/2010/main" val="1546310236"/>
-      </p:ext>
-    </p:extLst>
-  </p:cSld>
-  <p:clrMapOvr>
-    <a:masterClrMapping/>
-  </p:clrMapOvr>
-</p:sld>
-</file>
-
-<file path=ppt/slides/slide8.xml><?xml version="1.0" encoding="utf-8"?>
 <p:sld xmlns:a="http://schemas.openxmlformats.org/drawingml/2006/main" xmlns:r="http://schemas.openxmlformats.org/officeDocument/2006/relationships" xmlns:p="http://schemas.openxmlformats.org/presentationml/2006/main">
   <p:cSld>
     <p:spTree>
@@ -9291,6 +8716,473 @@
                                         <p:cTn id="23" dur="1000" fill="hold"/>
                                         <p:tgtEl>
                                           <p:spTgt spid="10"/>
+                                        </p:tgtEl>
+                                        <p:attrNameLst>
+                                          <p:attrName>ppt_y</p:attrName>
+                                        </p:attrNameLst>
+                                      </p:cBhvr>
+                                      <p:tavLst>
+                                        <p:tav tm="0">
+                                          <p:val>
+                                            <p:strVal val="#ppt_y+.1"/>
+                                          </p:val>
+                                        </p:tav>
+                                        <p:tav tm="100000">
+                                          <p:val>
+                                            <p:strVal val="#ppt_y"/>
+                                          </p:val>
+                                        </p:tav>
+                                      </p:tavLst>
+                                    </p:anim>
+                                  </p:childTnLst>
+                                </p:cTn>
+                              </p:par>
+                            </p:childTnLst>
+                          </p:cTn>
+                        </p:par>
+                      </p:childTnLst>
+                    </p:cTn>
+                  </p:par>
+                </p:childTnLst>
+              </p:cTn>
+              <p:prevCondLst>
+                <p:cond evt="onPrev" delay="0">
+                  <p:tgtEl>
+                    <p:sldTgt/>
+                  </p:tgtEl>
+                </p:cond>
+              </p:prevCondLst>
+              <p:nextCondLst>
+                <p:cond evt="onNext" delay="0">
+                  <p:tgtEl>
+                    <p:sldTgt/>
+                  </p:tgtEl>
+                </p:cond>
+              </p:nextCondLst>
+            </p:seq>
+          </p:childTnLst>
+        </p:cTn>
+      </p:par>
+    </p:tnLst>
+  </p:timing>
+</p:sld>
+</file>
+
+<file path=ppt/slides/slide7.xml><?xml version="1.0" encoding="utf-8"?>
+<p:sld xmlns:a="http://schemas.openxmlformats.org/drawingml/2006/main" xmlns:r="http://schemas.openxmlformats.org/officeDocument/2006/relationships" xmlns:p="http://schemas.openxmlformats.org/presentationml/2006/main">
+  <p:cSld>
+    <p:spTree>
+      <p:nvGrpSpPr>
+        <p:cNvPr id="1" name=""/>
+        <p:cNvGrpSpPr/>
+        <p:nvPr/>
+      </p:nvGrpSpPr>
+      <p:grpSpPr>
+        <a:xfrm>
+          <a:off x="0" y="0"/>
+          <a:ext cx="0" cy="0"/>
+          <a:chOff x="0" y="0"/>
+          <a:chExt cx="0" cy="0"/>
+        </a:xfrm>
+      </p:grpSpPr>
+      <p:sp>
+        <p:nvSpPr>
+          <p:cNvPr id="2" name="Title 1">
+            <a:extLst>
+              <a:ext uri="{FF2B5EF4-FFF2-40B4-BE49-F238E27FC236}">
+                <a16:creationId xmlns:a16="http://schemas.microsoft.com/office/drawing/2014/main" id="{44016EB5-B33C-91BC-A31C-416D28F39BA4}"/>
+              </a:ext>
+            </a:extLst>
+          </p:cNvPr>
+          <p:cNvSpPr>
+            <a:spLocks noGrp="1"/>
+          </p:cNvSpPr>
+          <p:nvPr>
+            <p:ph type="title"/>
+          </p:nvPr>
+        </p:nvSpPr>
+        <p:spPr/>
+        <p:txBody>
+          <a:bodyPr/>
+          <a:lstStyle/>
+          <a:p>
+            <a:r>
+              <a:rPr lang="en-US" dirty="0"/>
+              <a:t>User and Item Similarity Matrix </a:t>
+            </a:r>
+          </a:p>
+        </p:txBody>
+      </p:sp>
+      <p:pic>
+        <p:nvPicPr>
+          <p:cNvPr id="4" name="Picture 3">
+            <a:extLst>
+              <a:ext uri="{FF2B5EF4-FFF2-40B4-BE49-F238E27FC236}">
+                <a16:creationId xmlns:a16="http://schemas.microsoft.com/office/drawing/2014/main" id="{DADA4812-3517-A1E4-B76D-A5CD62901B06}"/>
+              </a:ext>
+            </a:extLst>
+          </p:cNvPr>
+          <p:cNvPicPr>
+            <a:picLocks noChangeAspect="1"/>
+          </p:cNvPicPr>
+          <p:nvPr/>
+        </p:nvPicPr>
+        <p:blipFill>
+          <a:blip r:embed="rId3"/>
+          <a:stretch>
+            <a:fillRect/>
+          </a:stretch>
+        </p:blipFill>
+        <p:spPr>
+          <a:xfrm>
+            <a:off x="942975" y="2740066"/>
+            <a:ext cx="4969559" cy="4326440"/>
+          </a:xfrm>
+          <a:prstGeom prst="rect">
+            <a:avLst/>
+          </a:prstGeom>
+        </p:spPr>
+      </p:pic>
+      <p:pic>
+        <p:nvPicPr>
+          <p:cNvPr id="6" name="Picture 5">
+            <a:extLst>
+              <a:ext uri="{FF2B5EF4-FFF2-40B4-BE49-F238E27FC236}">
+                <a16:creationId xmlns:a16="http://schemas.microsoft.com/office/drawing/2014/main" id="{DC51B858-FF91-4C05-48BD-957C8C725D7A}"/>
+              </a:ext>
+            </a:extLst>
+          </p:cNvPr>
+          <p:cNvPicPr>
+            <a:picLocks noChangeAspect="1"/>
+          </p:cNvPicPr>
+          <p:nvPr/>
+        </p:nvPicPr>
+        <p:blipFill>
+          <a:blip r:embed="rId4"/>
+          <a:stretch>
+            <a:fillRect/>
+          </a:stretch>
+        </p:blipFill>
+        <p:spPr>
+          <a:xfrm>
+            <a:off x="6858000" y="2740066"/>
+            <a:ext cx="6284640" cy="4326440"/>
+          </a:xfrm>
+          <a:prstGeom prst="rect">
+            <a:avLst/>
+          </a:prstGeom>
+        </p:spPr>
+      </p:pic>
+      <p:pic>
+        <p:nvPicPr>
+          <p:cNvPr id="8" name="Picture 7">
+            <a:extLst>
+              <a:ext uri="{FF2B5EF4-FFF2-40B4-BE49-F238E27FC236}">
+                <a16:creationId xmlns:a16="http://schemas.microsoft.com/office/drawing/2014/main" id="{2C6DDC49-533A-A0CF-1D23-0DD09425BF6C}"/>
+              </a:ext>
+            </a:extLst>
+          </p:cNvPr>
+          <p:cNvPicPr>
+            <a:picLocks noChangeAspect="1"/>
+          </p:cNvPicPr>
+          <p:nvPr/>
+        </p:nvPicPr>
+        <p:blipFill>
+          <a:blip r:embed="rId4"/>
+          <a:stretch>
+            <a:fillRect/>
+          </a:stretch>
+        </p:blipFill>
+        <p:spPr>
+          <a:xfrm>
+            <a:off x="573360" y="1766375"/>
+            <a:ext cx="8876686" cy="6589835"/>
+          </a:xfrm>
+          <a:prstGeom prst="rect">
+            <a:avLst/>
+          </a:prstGeom>
+        </p:spPr>
+      </p:pic>
+    </p:spTree>
+    <p:extLst>
+      <p:ext uri="{BB962C8B-B14F-4D97-AF65-F5344CB8AC3E}">
+        <p14:creationId xmlns:p14="http://schemas.microsoft.com/office/powerpoint/2010/main" val="1736366948"/>
+      </p:ext>
+    </p:extLst>
+  </p:cSld>
+  <p:clrMapOvr>
+    <a:masterClrMapping/>
+  </p:clrMapOvr>
+  <p:timing>
+    <p:tnLst>
+      <p:par>
+        <p:cTn id="1" dur="indefinite" restart="never" nodeType="tmRoot">
+          <p:childTnLst>
+            <p:seq concurrent="1" nextAc="seek">
+              <p:cTn id="2" dur="indefinite" nodeType="mainSeq">
+                <p:childTnLst>
+                  <p:par>
+                    <p:cTn id="3" fill="hold">
+                      <p:stCondLst>
+                        <p:cond delay="indefinite"/>
+                      </p:stCondLst>
+                      <p:childTnLst>
+                        <p:par>
+                          <p:cTn id="4" fill="hold">
+                            <p:stCondLst>
+                              <p:cond delay="0"/>
+                            </p:stCondLst>
+                            <p:childTnLst>
+                              <p:par>
+                                <p:cTn id="5" presetID="2" presetClass="entr" presetSubtype="4" fill="hold" nodeType="clickEffect">
+                                  <p:stCondLst>
+                                    <p:cond delay="0"/>
+                                  </p:stCondLst>
+                                  <p:childTnLst>
+                                    <p:set>
+                                      <p:cBhvr>
+                                        <p:cTn id="6" dur="1" fill="hold">
+                                          <p:stCondLst>
+                                            <p:cond delay="0"/>
+                                          </p:stCondLst>
+                                        </p:cTn>
+                                        <p:tgtEl>
+                                          <p:spTgt spid="4"/>
+                                        </p:tgtEl>
+                                        <p:attrNameLst>
+                                          <p:attrName>style.visibility</p:attrName>
+                                        </p:attrNameLst>
+                                      </p:cBhvr>
+                                      <p:to>
+                                        <p:strVal val="visible"/>
+                                      </p:to>
+                                    </p:set>
+                                    <p:anim calcmode="lin" valueType="num">
+                                      <p:cBhvr additive="base">
+                                        <p:cTn id="7" dur="500" fill="hold"/>
+                                        <p:tgtEl>
+                                          <p:spTgt spid="4"/>
+                                        </p:tgtEl>
+                                        <p:attrNameLst>
+                                          <p:attrName>ppt_x</p:attrName>
+                                        </p:attrNameLst>
+                                      </p:cBhvr>
+                                      <p:tavLst>
+                                        <p:tav tm="0">
+                                          <p:val>
+                                            <p:strVal val="#ppt_x"/>
+                                          </p:val>
+                                        </p:tav>
+                                        <p:tav tm="100000">
+                                          <p:val>
+                                            <p:strVal val="#ppt_x"/>
+                                          </p:val>
+                                        </p:tav>
+                                      </p:tavLst>
+                                    </p:anim>
+                                    <p:anim calcmode="lin" valueType="num">
+                                      <p:cBhvr additive="base">
+                                        <p:cTn id="8" dur="500" fill="hold"/>
+                                        <p:tgtEl>
+                                          <p:spTgt spid="4"/>
+                                        </p:tgtEl>
+                                        <p:attrNameLst>
+                                          <p:attrName>ppt_y</p:attrName>
+                                        </p:attrNameLst>
+                                      </p:cBhvr>
+                                      <p:tavLst>
+                                        <p:tav tm="0">
+                                          <p:val>
+                                            <p:strVal val="1+#ppt_h/2"/>
+                                          </p:val>
+                                        </p:tav>
+                                        <p:tav tm="100000">
+                                          <p:val>
+                                            <p:strVal val="#ppt_y"/>
+                                          </p:val>
+                                        </p:tav>
+                                      </p:tavLst>
+                                    </p:anim>
+                                  </p:childTnLst>
+                                </p:cTn>
+                              </p:par>
+                            </p:childTnLst>
+                          </p:cTn>
+                        </p:par>
+                      </p:childTnLst>
+                    </p:cTn>
+                  </p:par>
+                  <p:par>
+                    <p:cTn id="9" fill="hold">
+                      <p:stCondLst>
+                        <p:cond delay="indefinite"/>
+                      </p:stCondLst>
+                      <p:childTnLst>
+                        <p:par>
+                          <p:cTn id="10" fill="hold">
+                            <p:stCondLst>
+                              <p:cond delay="0"/>
+                            </p:stCondLst>
+                            <p:childTnLst>
+                              <p:par>
+                                <p:cTn id="11" presetID="42" presetClass="entr" presetSubtype="0" fill="hold" nodeType="clickEffect">
+                                  <p:stCondLst>
+                                    <p:cond delay="0"/>
+                                  </p:stCondLst>
+                                  <p:childTnLst>
+                                    <p:set>
+                                      <p:cBhvr>
+                                        <p:cTn id="12" dur="1" fill="hold">
+                                          <p:stCondLst>
+                                            <p:cond delay="0"/>
+                                          </p:stCondLst>
+                                        </p:cTn>
+                                        <p:tgtEl>
+                                          <p:spTgt spid="6"/>
+                                        </p:tgtEl>
+                                        <p:attrNameLst>
+                                          <p:attrName>style.visibility</p:attrName>
+                                        </p:attrNameLst>
+                                      </p:cBhvr>
+                                      <p:to>
+                                        <p:strVal val="visible"/>
+                                      </p:to>
+                                    </p:set>
+                                    <p:animEffect transition="in" filter="fade">
+                                      <p:cBhvr>
+                                        <p:cTn id="13" dur="1000"/>
+                                        <p:tgtEl>
+                                          <p:spTgt spid="6"/>
+                                        </p:tgtEl>
+                                      </p:cBhvr>
+                                    </p:animEffect>
+                                    <p:anim calcmode="lin" valueType="num">
+                                      <p:cBhvr>
+                                        <p:cTn id="14" dur="1000" fill="hold"/>
+                                        <p:tgtEl>
+                                          <p:spTgt spid="6"/>
+                                        </p:tgtEl>
+                                        <p:attrNameLst>
+                                          <p:attrName>ppt_x</p:attrName>
+                                        </p:attrNameLst>
+                                      </p:cBhvr>
+                                      <p:tavLst>
+                                        <p:tav tm="0">
+                                          <p:val>
+                                            <p:strVal val="#ppt_x"/>
+                                          </p:val>
+                                        </p:tav>
+                                        <p:tav tm="100000">
+                                          <p:val>
+                                            <p:strVal val="#ppt_x"/>
+                                          </p:val>
+                                        </p:tav>
+                                      </p:tavLst>
+                                    </p:anim>
+                                    <p:anim calcmode="lin" valueType="num">
+                                      <p:cBhvr>
+                                        <p:cTn id="15" dur="1000" fill="hold"/>
+                                        <p:tgtEl>
+                                          <p:spTgt spid="6"/>
+                                        </p:tgtEl>
+                                        <p:attrNameLst>
+                                          <p:attrName>ppt_y</p:attrName>
+                                        </p:attrNameLst>
+                                      </p:cBhvr>
+                                      <p:tavLst>
+                                        <p:tav tm="0">
+                                          <p:val>
+                                            <p:strVal val="#ppt_y+.1"/>
+                                          </p:val>
+                                        </p:tav>
+                                        <p:tav tm="100000">
+                                          <p:val>
+                                            <p:strVal val="#ppt_y"/>
+                                          </p:val>
+                                        </p:tav>
+                                      </p:tavLst>
+                                    </p:anim>
+                                  </p:childTnLst>
+                                </p:cTn>
+                              </p:par>
+                            </p:childTnLst>
+                          </p:cTn>
+                        </p:par>
+                      </p:childTnLst>
+                    </p:cTn>
+                  </p:par>
+                  <p:par>
+                    <p:cTn id="16" fill="hold">
+                      <p:stCondLst>
+                        <p:cond delay="indefinite"/>
+                      </p:stCondLst>
+                      <p:childTnLst>
+                        <p:par>
+                          <p:cTn id="17" fill="hold">
+                            <p:stCondLst>
+                              <p:cond delay="0"/>
+                            </p:stCondLst>
+                            <p:childTnLst>
+                              <p:par>
+                                <p:cTn id="18" presetID="42" presetClass="entr" presetSubtype="0" fill="hold" nodeType="clickEffect">
+                                  <p:stCondLst>
+                                    <p:cond delay="0"/>
+                                  </p:stCondLst>
+                                  <p:childTnLst>
+                                    <p:set>
+                                      <p:cBhvr>
+                                        <p:cTn id="19" dur="1" fill="hold">
+                                          <p:stCondLst>
+                                            <p:cond delay="0"/>
+                                          </p:stCondLst>
+                                        </p:cTn>
+                                        <p:tgtEl>
+                                          <p:spTgt spid="8"/>
+                                        </p:tgtEl>
+                                        <p:attrNameLst>
+                                          <p:attrName>style.visibility</p:attrName>
+                                        </p:attrNameLst>
+                                      </p:cBhvr>
+                                      <p:to>
+                                        <p:strVal val="visible"/>
+                                      </p:to>
+                                    </p:set>
+                                    <p:animEffect transition="in" filter="fade">
+                                      <p:cBhvr>
+                                        <p:cTn id="20" dur="1000"/>
+                                        <p:tgtEl>
+                                          <p:spTgt spid="8"/>
+                                        </p:tgtEl>
+                                      </p:cBhvr>
+                                    </p:animEffect>
+                                    <p:anim calcmode="lin" valueType="num">
+                                      <p:cBhvr>
+                                        <p:cTn id="21" dur="1000" fill="hold"/>
+                                        <p:tgtEl>
+                                          <p:spTgt spid="8"/>
+                                        </p:tgtEl>
+                                        <p:attrNameLst>
+                                          <p:attrName>ppt_x</p:attrName>
+                                        </p:attrNameLst>
+                                      </p:cBhvr>
+                                      <p:tavLst>
+                                        <p:tav tm="0">
+                                          <p:val>
+                                            <p:strVal val="#ppt_x"/>
+                                          </p:val>
+                                        </p:tav>
+                                        <p:tav tm="100000">
+                                          <p:val>
+                                            <p:strVal val="#ppt_x"/>
+                                          </p:val>
+                                        </p:tav>
+                                      </p:tavLst>
+                                    </p:anim>
+                                    <p:anim calcmode="lin" valueType="num">
+                                      <p:cBhvr>
+                                        <p:cTn id="22" dur="1000" fill="hold"/>
+                                        <p:tgtEl>
+                                          <p:spTgt spid="8"/>
                                         </p:tgtEl>
                                         <p:attrNameLst>
                                           <p:attrName>ppt_y</p:attrName>
